--- a/갓생살기(2023-08-01)최종발표.ver.pptx
+++ b/갓생살기(2023-08-01)최종발표.ver.pptx
@@ -39775,7 +39775,7 @@
         <p:spPr>
           <a:xfrm>
             <a:off x="3999123" y="3234930"/>
-            <a:ext cx="7254544" cy="410173"/>
+            <a:ext cx="2916750" cy="410173"/>
           </a:xfrm>
           <a:prstGeom prst="rect">
             <a:avLst/>
@@ -40149,6 +40149,70 @@
               <a:t>test</a:t>
             </a:r>
             <a:endParaRPr lang="ko-KR" altLang="en-US" dirty="0"/>
+          </a:p>
+        </p:txBody>
+      </p:sp>
+      <p:sp>
+        <p:nvSpPr>
+          <p:cNvPr id="3" name="직사각형 2">
+            <a:extLst>
+              <a:ext uri="{FF2B5EF4-FFF2-40B4-BE49-F238E27FC236}">
+                <a16:creationId xmlns:a16="http://schemas.microsoft.com/office/drawing/2014/main" id="{51863A17-7D3A-4206-7D48-55181CF0AF83}"/>
+              </a:ext>
+            </a:extLst>
+          </p:cNvPr>
+          <p:cNvSpPr/>
+          <p:nvPr/>
+        </p:nvSpPr>
+        <p:spPr>
+          <a:xfrm>
+            <a:off x="6921317" y="3234755"/>
+            <a:ext cx="4326909" cy="410173"/>
+          </a:xfrm>
+          <a:prstGeom prst="rect">
+            <a:avLst/>
+          </a:prstGeom>
+          <a:solidFill>
+            <a:srgbClr val="FFF7EE"/>
+          </a:solidFill>
+          <a:ln>
+            <a:noFill/>
+          </a:ln>
+        </p:spPr>
+        <p:style>
+          <a:lnRef idx="2">
+            <a:schemeClr val="accent1">
+              <a:shade val="50000"/>
+            </a:schemeClr>
+          </a:lnRef>
+          <a:fillRef idx="1">
+            <a:schemeClr val="accent1"/>
+          </a:fillRef>
+          <a:effectRef idx="0">
+            <a:schemeClr val="accent1"/>
+          </a:effectRef>
+          <a:fontRef idx="minor">
+            <a:schemeClr val="lt1"/>
+          </a:fontRef>
+        </p:style>
+        <p:txBody>
+          <a:bodyPr rtlCol="0" anchor="ctr"/>
+          <a:lstStyle/>
+          <a:p>
+            <a:pPr algn="ctr"/>
+            <a:r>
+              <a:rPr lang="en-US" altLang="ko-KR" spc="150" dirty="0" err="1">
+                <a:solidFill>
+                  <a:schemeClr val="bg2">
+                    <a:lumMod val="10000"/>
+                  </a:schemeClr>
+                </a:solidFill>
+                <a:latin typeface="나눔손글씨 성실체" panose="02000503000000000000" pitchFamily="2" charset="-127"/>
+                <a:ea typeface="나눔손글씨 성실체" panose="02000503000000000000" pitchFamily="2" charset="-127"/>
+              </a:rPr>
+              <a:t>usecase</a:t>
+            </a:r>
+            <a:endParaRPr lang="ko-KR" altLang="en-US" spc="150" dirty="0"/>
           </a:p>
         </p:txBody>
       </p:sp>
